--- a/doc/imgs/simple_ml_design.pptx
+++ b/doc/imgs/simple_ml_design.pptx
@@ -104,6 +104,11 @@
       </a:defRPr>
     </a:lvl9pPr>
   </p:defaultTextStyle>
+  <p:extLst>
+    <p:ext uri="{EFAFB233-063F-42B5-8137-9DF3F51BA10A}">
+      <p15:sldGuideLst xmlns:p15="http://schemas.microsoft.com/office/powerpoint/2012/main"/>
+    </p:ext>
+  </p:extLst>
 </p:presentation>
 </file>
 
@@ -3528,6 +3533,59 @@
           </a:p>
         </p:txBody>
       </p:sp>
+      <p:sp>
+        <p:nvSpPr>
+          <p:cNvPr id="2" name="文本框 1">
+            <a:extLst>
+              <a:ext uri="{FF2B5EF4-FFF2-40B4-BE49-F238E27FC236}">
+                <a16:creationId xmlns:a16="http://schemas.microsoft.com/office/drawing/2014/main" id="{56D3964C-3263-482A-9843-5561CAA4F8EA}"/>
+              </a:ext>
+            </a:extLst>
+          </p:cNvPr>
+          <p:cNvSpPr txBox="1"/>
+          <p:nvPr/>
+        </p:nvSpPr>
+        <p:spPr>
+          <a:xfrm>
+            <a:off x="4076330" y="5377647"/>
+            <a:ext cx="4039340" cy="646331"/>
+          </a:xfrm>
+          <a:prstGeom prst="rect">
+            <a:avLst/>
+          </a:prstGeom>
+          <a:noFill/>
+        </p:spPr>
+        <p:txBody>
+          <a:bodyPr wrap="square" rtlCol="0">
+            <a:spAutoFit/>
+          </a:bodyPr>
+          <a:lstStyle/>
+          <a:p>
+            <a:pPr algn="ctr"/>
+            <a:r>
+              <a:rPr lang="en-US" altLang="zh-CN" dirty="0">
+                <a:solidFill>
+                  <a:schemeClr val="tx1">
+                    <a:lumMod val="50000"/>
+                    <a:lumOff val="50000"/>
+                  </a:schemeClr>
+                </a:solidFill>
+                <a:latin typeface="Lithos Pro Regular" panose="04020505030E02020A04" pitchFamily="82" charset="0"/>
+              </a:rPr>
+              <a:t>A simple  machine learning algorithm implementation</a:t>
+            </a:r>
+            <a:endParaRPr lang="zh-CN" altLang="en-US" dirty="0">
+              <a:solidFill>
+                <a:schemeClr val="tx1">
+                  <a:lumMod val="50000"/>
+                  <a:lumOff val="50000"/>
+                </a:schemeClr>
+              </a:solidFill>
+              <a:latin typeface="Lithos Pro Regular" panose="04020505030E02020A04" pitchFamily="82" charset="0"/>
+            </a:endParaRPr>
+          </a:p>
+        </p:txBody>
+      </p:sp>
     </p:spTree>
     <p:extLst>
       <p:ext uri="{BB962C8B-B14F-4D97-AF65-F5344CB8AC3E}">

--- a/doc/imgs/simple_ml_design.pptx
+++ b/doc/imgs/simple_ml_design.pptx
@@ -259,7 +259,7 @@
           <a:p>
             <a:fld id="{04DCCFD0-CC97-4019-8541-1F1E55DEE1E3}" type="datetimeFigureOut">
               <a:rPr lang="zh-CN" altLang="en-US" smtClean="0"/>
-              <a:t>2018/4/16</a:t>
+              <a:t>2018/4/17</a:t>
             </a:fld>
             <a:endParaRPr lang="zh-CN" altLang="en-US"/>
           </a:p>
@@ -457,7 +457,7 @@
           <a:p>
             <a:fld id="{04DCCFD0-CC97-4019-8541-1F1E55DEE1E3}" type="datetimeFigureOut">
               <a:rPr lang="zh-CN" altLang="en-US" smtClean="0"/>
-              <a:t>2018/4/16</a:t>
+              <a:t>2018/4/17</a:t>
             </a:fld>
             <a:endParaRPr lang="zh-CN" altLang="en-US"/>
           </a:p>
@@ -665,7 +665,7 @@
           <a:p>
             <a:fld id="{04DCCFD0-CC97-4019-8541-1F1E55DEE1E3}" type="datetimeFigureOut">
               <a:rPr lang="zh-CN" altLang="en-US" smtClean="0"/>
-              <a:t>2018/4/16</a:t>
+              <a:t>2018/4/17</a:t>
             </a:fld>
             <a:endParaRPr lang="zh-CN" altLang="en-US"/>
           </a:p>
@@ -863,7 +863,7 @@
           <a:p>
             <a:fld id="{04DCCFD0-CC97-4019-8541-1F1E55DEE1E3}" type="datetimeFigureOut">
               <a:rPr lang="zh-CN" altLang="en-US" smtClean="0"/>
-              <a:t>2018/4/16</a:t>
+              <a:t>2018/4/17</a:t>
             </a:fld>
             <a:endParaRPr lang="zh-CN" altLang="en-US"/>
           </a:p>
@@ -1138,7 +1138,7 @@
           <a:p>
             <a:fld id="{04DCCFD0-CC97-4019-8541-1F1E55DEE1E3}" type="datetimeFigureOut">
               <a:rPr lang="zh-CN" altLang="en-US" smtClean="0"/>
-              <a:t>2018/4/16</a:t>
+              <a:t>2018/4/17</a:t>
             </a:fld>
             <a:endParaRPr lang="zh-CN" altLang="en-US"/>
           </a:p>
@@ -1403,7 +1403,7 @@
           <a:p>
             <a:fld id="{04DCCFD0-CC97-4019-8541-1F1E55DEE1E3}" type="datetimeFigureOut">
               <a:rPr lang="zh-CN" altLang="en-US" smtClean="0"/>
-              <a:t>2018/4/16</a:t>
+              <a:t>2018/4/17</a:t>
             </a:fld>
             <a:endParaRPr lang="zh-CN" altLang="en-US"/>
           </a:p>
@@ -1815,7 +1815,7 @@
           <a:p>
             <a:fld id="{04DCCFD0-CC97-4019-8541-1F1E55DEE1E3}" type="datetimeFigureOut">
               <a:rPr lang="zh-CN" altLang="en-US" smtClean="0"/>
-              <a:t>2018/4/16</a:t>
+              <a:t>2018/4/17</a:t>
             </a:fld>
             <a:endParaRPr lang="zh-CN" altLang="en-US"/>
           </a:p>
@@ -1956,7 +1956,7 @@
           <a:p>
             <a:fld id="{04DCCFD0-CC97-4019-8541-1F1E55DEE1E3}" type="datetimeFigureOut">
               <a:rPr lang="zh-CN" altLang="en-US" smtClean="0"/>
-              <a:t>2018/4/16</a:t>
+              <a:t>2018/4/17</a:t>
             </a:fld>
             <a:endParaRPr lang="zh-CN" altLang="en-US"/>
           </a:p>
@@ -2069,7 +2069,7 @@
           <a:p>
             <a:fld id="{04DCCFD0-CC97-4019-8541-1F1E55DEE1E3}" type="datetimeFigureOut">
               <a:rPr lang="zh-CN" altLang="en-US" smtClean="0"/>
-              <a:t>2018/4/16</a:t>
+              <a:t>2018/4/17</a:t>
             </a:fld>
             <a:endParaRPr lang="zh-CN" altLang="en-US"/>
           </a:p>
@@ -2380,7 +2380,7 @@
           <a:p>
             <a:fld id="{04DCCFD0-CC97-4019-8541-1F1E55DEE1E3}" type="datetimeFigureOut">
               <a:rPr lang="zh-CN" altLang="en-US" smtClean="0"/>
-              <a:t>2018/4/16</a:t>
+              <a:t>2018/4/17</a:t>
             </a:fld>
             <a:endParaRPr lang="zh-CN" altLang="en-US"/>
           </a:p>
@@ -2668,7 +2668,7 @@
           <a:p>
             <a:fld id="{04DCCFD0-CC97-4019-8541-1F1E55DEE1E3}" type="datetimeFigureOut">
               <a:rPr lang="zh-CN" altLang="en-US" smtClean="0"/>
-              <a:t>2018/4/16</a:t>
+              <a:t>2018/4/17</a:t>
             </a:fld>
             <a:endParaRPr lang="zh-CN" altLang="en-US"/>
           </a:p>
@@ -2909,7 +2909,7 @@
           <a:p>
             <a:fld id="{04DCCFD0-CC97-4019-8541-1F1E55DEE1E3}" type="datetimeFigureOut">
               <a:rPr lang="zh-CN" altLang="en-US" smtClean="0"/>
-              <a:t>2018/4/16</a:t>
+              <a:t>2018/4/17</a:t>
             </a:fld>
             <a:endParaRPr lang="zh-CN" altLang="en-US"/>
           </a:p>
@@ -3413,7 +3413,7 @@
               <a:rPr lang="en-US" altLang="zh-CN" sz="7200" dirty="0">
                 <a:solidFill>
                   <a:schemeClr val="bg1">
-                    <a:lumMod val="85000"/>
+                    <a:lumMod val="95000"/>
                   </a:schemeClr>
                 </a:solidFill>
                 <a:latin typeface="Segoe Script" panose="030B0504020000000003" pitchFamily="66" charset="0"/>
@@ -3423,7 +3423,7 @@
             <a:endParaRPr lang="zh-CN" altLang="en-US" sz="7200" dirty="0">
               <a:solidFill>
                 <a:schemeClr val="bg1">
-                  <a:lumMod val="85000"/>
+                  <a:lumMod val="95000"/>
                 </a:schemeClr>
               </a:solidFill>
               <a:latin typeface="Segoe Script" panose="030B0504020000000003" pitchFamily="66" charset="0"/>
@@ -3463,7 +3463,7 @@
               <a:rPr lang="en-US" altLang="zh-CN" sz="7200" dirty="0">
                 <a:solidFill>
                   <a:schemeClr val="bg1">
-                    <a:lumMod val="85000"/>
+                    <a:lumMod val="95000"/>
                   </a:schemeClr>
                 </a:solidFill>
                 <a:latin typeface="Segoe Script" panose="030B0504020000000003" pitchFamily="66" charset="0"/>
@@ -3473,7 +3473,7 @@
             <a:endParaRPr lang="zh-CN" altLang="en-US" sz="7200" dirty="0">
               <a:solidFill>
                 <a:schemeClr val="bg1">
-                  <a:lumMod val="85000"/>
+                  <a:lumMod val="95000"/>
                 </a:schemeClr>
               </a:solidFill>
               <a:latin typeface="Segoe Script" panose="030B0504020000000003" pitchFamily="66" charset="0"/>
